--- a/exercises/Quick-Start-RMQ.pptx
+++ b/exercises/Quick-Start-RMQ.pptx
@@ -206,7 +206,7 @@
           <a:p>
             <a:fld id="{DE259937-BCEE-454C-90E2-F34CAEBA86D9}" type="datetimeFigureOut">
               <a:rPr lang="en-US" smtClean="0"/>
-              <a:t>10/12/20</a:t>
+              <a:t>9/30/24</a:t>
             </a:fld>
             <a:endParaRPr lang="en-US"/>
           </a:p>
@@ -1694,7 +1694,7 @@
           <a:p>
             <a:fld id="{88791E44-5F57-7348-8B6B-4131483D2266}" type="datetimeFigureOut">
               <a:rPr lang="en-US" smtClean="0"/>
-              <a:t>10/12/20</a:t>
+              <a:t>9/30/24</a:t>
             </a:fld>
             <a:endParaRPr lang="en-US"/>
           </a:p>
@@ -1894,7 +1894,7 @@
           <a:p>
             <a:fld id="{88791E44-5F57-7348-8B6B-4131483D2266}" type="datetimeFigureOut">
               <a:rPr lang="en-US" smtClean="0"/>
-              <a:t>10/12/20</a:t>
+              <a:t>9/30/24</a:t>
             </a:fld>
             <a:endParaRPr lang="en-US"/>
           </a:p>
@@ -2104,7 +2104,7 @@
           <a:p>
             <a:fld id="{88791E44-5F57-7348-8B6B-4131483D2266}" type="datetimeFigureOut">
               <a:rPr lang="en-US" smtClean="0"/>
-              <a:t>10/12/20</a:t>
+              <a:t>9/30/24</a:t>
             </a:fld>
             <a:endParaRPr lang="en-US"/>
           </a:p>
@@ -2304,7 +2304,7 @@
           <a:p>
             <a:fld id="{88791E44-5F57-7348-8B6B-4131483D2266}" type="datetimeFigureOut">
               <a:rPr lang="en-US" smtClean="0"/>
-              <a:t>10/12/20</a:t>
+              <a:t>9/30/24</a:t>
             </a:fld>
             <a:endParaRPr lang="en-US"/>
           </a:p>
@@ -2580,7 +2580,7 @@
           <a:p>
             <a:fld id="{88791E44-5F57-7348-8B6B-4131483D2266}" type="datetimeFigureOut">
               <a:rPr lang="en-US" smtClean="0"/>
-              <a:t>10/12/20</a:t>
+              <a:t>9/30/24</a:t>
             </a:fld>
             <a:endParaRPr lang="en-US"/>
           </a:p>
@@ -2848,7 +2848,7 @@
           <a:p>
             <a:fld id="{88791E44-5F57-7348-8B6B-4131483D2266}" type="datetimeFigureOut">
               <a:rPr lang="en-US" smtClean="0"/>
-              <a:t>10/12/20</a:t>
+              <a:t>9/30/24</a:t>
             </a:fld>
             <a:endParaRPr lang="en-US"/>
           </a:p>
@@ -3263,7 +3263,7 @@
           <a:p>
             <a:fld id="{88791E44-5F57-7348-8B6B-4131483D2266}" type="datetimeFigureOut">
               <a:rPr lang="en-US" smtClean="0"/>
-              <a:t>10/12/20</a:t>
+              <a:t>9/30/24</a:t>
             </a:fld>
             <a:endParaRPr lang="en-US"/>
           </a:p>
@@ -3405,7 +3405,7 @@
           <a:p>
             <a:fld id="{88791E44-5F57-7348-8B6B-4131483D2266}" type="datetimeFigureOut">
               <a:rPr lang="en-US" smtClean="0"/>
-              <a:t>10/12/20</a:t>
+              <a:t>9/30/24</a:t>
             </a:fld>
             <a:endParaRPr lang="en-US"/>
           </a:p>
@@ -3518,7 +3518,7 @@
           <a:p>
             <a:fld id="{88791E44-5F57-7348-8B6B-4131483D2266}" type="datetimeFigureOut">
               <a:rPr lang="en-US" smtClean="0"/>
-              <a:t>10/12/20</a:t>
+              <a:t>9/30/24</a:t>
             </a:fld>
             <a:endParaRPr lang="en-US"/>
           </a:p>
@@ -3831,7 +3831,7 @@
           <a:p>
             <a:fld id="{88791E44-5F57-7348-8B6B-4131483D2266}" type="datetimeFigureOut">
               <a:rPr lang="en-US" smtClean="0"/>
-              <a:t>10/12/20</a:t>
+              <a:t>9/30/24</a:t>
             </a:fld>
             <a:endParaRPr lang="en-US"/>
           </a:p>
@@ -4120,7 +4120,7 @@
           <a:p>
             <a:fld id="{88791E44-5F57-7348-8B6B-4131483D2266}" type="datetimeFigureOut">
               <a:rPr lang="en-US" smtClean="0"/>
-              <a:t>10/12/20</a:t>
+              <a:t>9/30/24</a:t>
             </a:fld>
             <a:endParaRPr lang="en-US"/>
           </a:p>
@@ -4363,7 +4363,7 @@
           <a:p>
             <a:fld id="{88791E44-5F57-7348-8B6B-4131483D2266}" type="datetimeFigureOut">
               <a:rPr lang="en-US" smtClean="0"/>
-              <a:t>10/12/20</a:t>
+              <a:t>9/30/24</a:t>
             </a:fld>
             <a:endParaRPr lang="en-US"/>
           </a:p>
@@ -5015,7 +5015,15 @@
             <a:pPr lvl="1"/>
             <a:r>
               <a:rPr lang="en-US" dirty="0"/>
-              <a:t>RMQ uses AQMP 0-9-1</a:t>
+              <a:t>RMQ </a:t>
+            </a:r>
+            <a:r>
+              <a:rPr lang="en-US"/>
+              <a:t>uses AMQP </a:t>
+            </a:r>
+            <a:r>
+              <a:rPr lang="en-US" dirty="0"/>
+              <a:t>0-9-1</a:t>
             </a:r>
           </a:p>
           <a:p>
